--- a/화면 설계.pptx
+++ b/화면 설계.pptx
@@ -7,6 +7,7 @@
   <p:sldIdLst>
     <p:sldId id="256" r:id="rId2"/>
     <p:sldId id="257" r:id="rId3"/>
+    <p:sldId id="258" r:id="rId4"/>
   </p:sldIdLst>
   <p:sldSz cx="9144000" cy="6858000" type="screen4x3"/>
   <p:notesSz cx="6858000" cy="9144000"/>
@@ -289,7 +290,7 @@
           <a:p>
             <a:fld id="{826DCF38-90DB-4D8C-BBBF-146D185ABA65}" type="datetimeFigureOut">
               <a:rPr lang="ko-KR" altLang="en-US" smtClean="0"/>
-              <a:t>2023-06-05</a:t>
+              <a:t>2023-06-07</a:t>
             </a:fld>
             <a:endParaRPr lang="ko-KR" altLang="en-US"/>
           </a:p>
@@ -459,7 +460,7 @@
           <a:p>
             <a:fld id="{826DCF38-90DB-4D8C-BBBF-146D185ABA65}" type="datetimeFigureOut">
               <a:rPr lang="ko-KR" altLang="en-US" smtClean="0"/>
-              <a:t>2023-06-05</a:t>
+              <a:t>2023-06-07</a:t>
             </a:fld>
             <a:endParaRPr lang="ko-KR" altLang="en-US"/>
           </a:p>
@@ -639,7 +640,7 @@
           <a:p>
             <a:fld id="{826DCF38-90DB-4D8C-BBBF-146D185ABA65}" type="datetimeFigureOut">
               <a:rPr lang="ko-KR" altLang="en-US" smtClean="0"/>
-              <a:t>2023-06-05</a:t>
+              <a:t>2023-06-07</a:t>
             </a:fld>
             <a:endParaRPr lang="ko-KR" altLang="en-US"/>
           </a:p>
@@ -809,7 +810,7 @@
           <a:p>
             <a:fld id="{826DCF38-90DB-4D8C-BBBF-146D185ABA65}" type="datetimeFigureOut">
               <a:rPr lang="ko-KR" altLang="en-US" smtClean="0"/>
-              <a:t>2023-06-05</a:t>
+              <a:t>2023-06-07</a:t>
             </a:fld>
             <a:endParaRPr lang="ko-KR" altLang="en-US"/>
           </a:p>
@@ -1055,7 +1056,7 @@
           <a:p>
             <a:fld id="{826DCF38-90DB-4D8C-BBBF-146D185ABA65}" type="datetimeFigureOut">
               <a:rPr lang="ko-KR" altLang="en-US" smtClean="0"/>
-              <a:t>2023-06-05</a:t>
+              <a:t>2023-06-07</a:t>
             </a:fld>
             <a:endParaRPr lang="ko-KR" altLang="en-US"/>
           </a:p>
@@ -1343,7 +1344,7 @@
           <a:p>
             <a:fld id="{826DCF38-90DB-4D8C-BBBF-146D185ABA65}" type="datetimeFigureOut">
               <a:rPr lang="ko-KR" altLang="en-US" smtClean="0"/>
-              <a:t>2023-06-05</a:t>
+              <a:t>2023-06-07</a:t>
             </a:fld>
             <a:endParaRPr lang="ko-KR" altLang="en-US"/>
           </a:p>
@@ -1765,7 +1766,7 @@
           <a:p>
             <a:fld id="{826DCF38-90DB-4D8C-BBBF-146D185ABA65}" type="datetimeFigureOut">
               <a:rPr lang="ko-KR" altLang="en-US" smtClean="0"/>
-              <a:t>2023-06-05</a:t>
+              <a:t>2023-06-07</a:t>
             </a:fld>
             <a:endParaRPr lang="ko-KR" altLang="en-US"/>
           </a:p>
@@ -1883,7 +1884,7 @@
           <a:p>
             <a:fld id="{826DCF38-90DB-4D8C-BBBF-146D185ABA65}" type="datetimeFigureOut">
               <a:rPr lang="ko-KR" altLang="en-US" smtClean="0"/>
-              <a:t>2023-06-05</a:t>
+              <a:t>2023-06-07</a:t>
             </a:fld>
             <a:endParaRPr lang="ko-KR" altLang="en-US"/>
           </a:p>
@@ -1978,7 +1979,7 @@
           <a:p>
             <a:fld id="{826DCF38-90DB-4D8C-BBBF-146D185ABA65}" type="datetimeFigureOut">
               <a:rPr lang="ko-KR" altLang="en-US" smtClean="0"/>
-              <a:t>2023-06-05</a:t>
+              <a:t>2023-06-07</a:t>
             </a:fld>
             <a:endParaRPr lang="ko-KR" altLang="en-US"/>
           </a:p>
@@ -2255,7 +2256,7 @@
           <a:p>
             <a:fld id="{826DCF38-90DB-4D8C-BBBF-146D185ABA65}" type="datetimeFigureOut">
               <a:rPr lang="ko-KR" altLang="en-US" smtClean="0"/>
-              <a:t>2023-06-05</a:t>
+              <a:t>2023-06-07</a:t>
             </a:fld>
             <a:endParaRPr lang="ko-KR" altLang="en-US"/>
           </a:p>
@@ -2508,7 +2509,7 @@
           <a:p>
             <a:fld id="{826DCF38-90DB-4D8C-BBBF-146D185ABA65}" type="datetimeFigureOut">
               <a:rPr lang="ko-KR" altLang="en-US" smtClean="0"/>
-              <a:t>2023-06-05</a:t>
+              <a:t>2023-06-07</a:t>
             </a:fld>
             <a:endParaRPr lang="ko-KR" altLang="en-US"/>
           </a:p>
@@ -2721,7 +2722,7 @@
           <a:p>
             <a:fld id="{826DCF38-90DB-4D8C-BBBF-146D185ABA65}" type="datetimeFigureOut">
               <a:rPr lang="ko-KR" altLang="en-US" smtClean="0"/>
-              <a:t>2023-06-05</a:t>
+              <a:t>2023-06-07</a:t>
             </a:fld>
             <a:endParaRPr lang="ko-KR" altLang="en-US"/>
           </a:p>
@@ -3294,15 +3295,7 @@
                   <a:schemeClr val="tx1"/>
                 </a:solidFill>
               </a:rPr>
-              <a:t>Sign </a:t>
-            </a:r>
-            <a:r>
-              <a:rPr lang="en-US" altLang="ko-KR" sz="1300" dirty="0" smtClean="0">
-                <a:solidFill>
-                  <a:schemeClr val="tx1"/>
-                </a:solidFill>
-              </a:rPr>
-              <a:t>in</a:t>
+              <a:t>Sign in</a:t>
             </a:r>
             <a:endParaRPr lang="ko-KR" altLang="en-US" sz="1300" dirty="0">
               <a:solidFill>
@@ -4259,15 +4252,7 @@
                   <a:schemeClr val="tx1"/>
                 </a:solidFill>
               </a:rPr>
-              <a:t>에 </a:t>
-            </a:r>
-            <a:r>
-              <a:rPr lang="ko-KR" altLang="en-US" sz="1400" b="1" dirty="0" smtClean="0">
-                <a:solidFill>
-                  <a:schemeClr val="tx1"/>
-                </a:solidFill>
-              </a:rPr>
-              <a:t>가입하세요</a:t>
+              <a:t>에 가입하세요</a:t>
             </a:r>
             <a:r>
               <a:rPr lang="en-US" altLang="ko-KR" sz="1400" b="1" dirty="0" smtClean="0">
@@ -4503,15 +4488,7 @@
                   <a:schemeClr val="tx1"/>
                 </a:solidFill>
               </a:rPr>
-              <a:t>Sign </a:t>
-            </a:r>
-            <a:r>
-              <a:rPr lang="en-US" altLang="ko-KR" sz="1300" dirty="0" smtClean="0">
-                <a:solidFill>
-                  <a:schemeClr val="tx1"/>
-                </a:solidFill>
-              </a:rPr>
-              <a:t>in</a:t>
+              <a:t>Sign in</a:t>
             </a:r>
             <a:endParaRPr lang="ko-KR" altLang="en-US" sz="1300" dirty="0">
               <a:solidFill>
@@ -4521,10 +4498,1705 @@
           </a:p>
         </p:txBody>
       </p:sp>
+      <p:sp>
+        <p:nvSpPr>
+          <p:cNvPr id="2" name="TextBox 1"/>
+          <p:cNvSpPr txBox="1"/>
+          <p:nvPr/>
+        </p:nvSpPr>
+        <p:spPr>
+          <a:xfrm>
+            <a:off x="5400668" y="-22712"/>
+            <a:ext cx="3743332" cy="369332"/>
+          </a:xfrm>
+          <a:prstGeom prst="rect">
+            <a:avLst/>
+          </a:prstGeom>
+          <a:noFill/>
+        </p:spPr>
+        <p:txBody>
+          <a:bodyPr wrap="none" rtlCol="0">
+            <a:spAutoFit/>
+          </a:bodyPr>
+          <a:lstStyle/>
+          <a:p>
+            <a:r>
+              <a:rPr lang="ko-KR" altLang="en-US" dirty="0" smtClean="0">
+                <a:solidFill>
+                  <a:srgbClr val="FF0000"/>
+                </a:solidFill>
+              </a:rPr>
+              <a:t>회원 가입 페이지 디자인 동일하게</a:t>
+            </a:r>
+            <a:endParaRPr lang="ko-KR" altLang="en-US" dirty="0">
+              <a:solidFill>
+                <a:srgbClr val="FF0000"/>
+              </a:solidFill>
+            </a:endParaRPr>
+          </a:p>
+        </p:txBody>
+      </p:sp>
     </p:spTree>
     <p:extLst>
       <p:ext uri="{BB962C8B-B14F-4D97-AF65-F5344CB8AC3E}">
         <p14:creationId xmlns:p14="http://schemas.microsoft.com/office/powerpoint/2010/main" val="2437967581"/>
+      </p:ext>
+    </p:extLst>
+  </p:cSld>
+  <p:clrMapOvr>
+    <a:masterClrMapping/>
+  </p:clrMapOvr>
+  <p:timing>
+    <p:tnLst>
+      <p:par>
+        <p:cTn id="1" dur="indefinite" restart="never" nodeType="tmRoot"/>
+      </p:par>
+    </p:tnLst>
+  </p:timing>
+</p:sld>
+</file>
+
+<file path=ppt/slides/slide3.xml><?xml version="1.0" encoding="utf-8"?>
+<p:sld xmlns:a="http://schemas.openxmlformats.org/drawingml/2006/main" xmlns:r="http://schemas.openxmlformats.org/officeDocument/2006/relationships" xmlns:p="http://schemas.openxmlformats.org/presentationml/2006/main">
+  <p:cSld>
+    <p:spTree>
+      <p:nvGrpSpPr>
+        <p:cNvPr id="1" name=""/>
+        <p:cNvGrpSpPr/>
+        <p:nvPr/>
+      </p:nvGrpSpPr>
+      <p:grpSpPr>
+        <a:xfrm>
+          <a:off x="0" y="0"/>
+          <a:ext cx="0" cy="0"/>
+          <a:chOff x="0" y="0"/>
+          <a:chExt cx="0" cy="0"/>
+        </a:xfrm>
+      </p:grpSpPr>
+      <p:sp>
+        <p:nvSpPr>
+          <p:cNvPr id="5" name="직사각형 4"/>
+          <p:cNvSpPr/>
+          <p:nvPr/>
+        </p:nvSpPr>
+        <p:spPr>
+          <a:xfrm>
+            <a:off x="179512" y="188639"/>
+            <a:ext cx="8784976" cy="6120681"/>
+          </a:xfrm>
+          <a:prstGeom prst="rect">
+            <a:avLst/>
+          </a:prstGeom>
+          <a:noFill/>
+          <a:ln>
+            <a:solidFill>
+              <a:schemeClr val="tx1"/>
+            </a:solidFill>
+          </a:ln>
+        </p:spPr>
+        <p:style>
+          <a:lnRef idx="2">
+            <a:schemeClr val="accent1">
+              <a:shade val="50000"/>
+            </a:schemeClr>
+          </a:lnRef>
+          <a:fillRef idx="1">
+            <a:schemeClr val="accent1"/>
+          </a:fillRef>
+          <a:effectRef idx="0">
+            <a:schemeClr val="accent1"/>
+          </a:effectRef>
+          <a:fontRef idx="minor">
+            <a:schemeClr val="lt1"/>
+          </a:fontRef>
+        </p:style>
+        <p:txBody>
+          <a:bodyPr rtlCol="0" anchor="ctr"/>
+          <a:lstStyle/>
+          <a:p>
+            <a:pPr algn="ctr"/>
+            <a:endParaRPr lang="ko-KR" altLang="en-US"/>
+          </a:p>
+        </p:txBody>
+      </p:sp>
+      <p:sp>
+        <p:nvSpPr>
+          <p:cNvPr id="6" name="직사각형 5"/>
+          <p:cNvSpPr/>
+          <p:nvPr/>
+        </p:nvSpPr>
+        <p:spPr>
+          <a:xfrm>
+            <a:off x="290519" y="260648"/>
+            <a:ext cx="8603170" cy="648072"/>
+          </a:xfrm>
+          <a:prstGeom prst="rect">
+            <a:avLst/>
+          </a:prstGeom>
+          <a:noFill/>
+          <a:ln>
+            <a:solidFill>
+              <a:schemeClr val="tx1"/>
+            </a:solidFill>
+          </a:ln>
+        </p:spPr>
+        <p:style>
+          <a:lnRef idx="2">
+            <a:schemeClr val="accent1">
+              <a:shade val="50000"/>
+            </a:schemeClr>
+          </a:lnRef>
+          <a:fillRef idx="1">
+            <a:schemeClr val="accent1"/>
+          </a:fillRef>
+          <a:effectRef idx="0">
+            <a:schemeClr val="accent1"/>
+          </a:effectRef>
+          <a:fontRef idx="minor">
+            <a:schemeClr val="lt1"/>
+          </a:fontRef>
+        </p:style>
+        <p:txBody>
+          <a:bodyPr rtlCol="0" anchor="ctr"/>
+          <a:lstStyle/>
+          <a:p>
+            <a:pPr algn="ctr"/>
+            <a:endParaRPr lang="ko-KR" altLang="en-US"/>
+          </a:p>
+        </p:txBody>
+      </p:sp>
+      <p:sp>
+        <p:nvSpPr>
+          <p:cNvPr id="7" name="직사각형 6"/>
+          <p:cNvSpPr/>
+          <p:nvPr/>
+        </p:nvSpPr>
+        <p:spPr>
+          <a:xfrm>
+            <a:off x="290519" y="260648"/>
+            <a:ext cx="1559831" cy="648072"/>
+          </a:xfrm>
+          <a:prstGeom prst="rect">
+            <a:avLst/>
+          </a:prstGeom>
+          <a:noFill/>
+          <a:ln>
+            <a:solidFill>
+              <a:schemeClr val="tx1"/>
+            </a:solidFill>
+          </a:ln>
+        </p:spPr>
+        <p:style>
+          <a:lnRef idx="2">
+            <a:schemeClr val="accent1">
+              <a:shade val="50000"/>
+            </a:schemeClr>
+          </a:lnRef>
+          <a:fillRef idx="1">
+            <a:schemeClr val="accent1"/>
+          </a:fillRef>
+          <a:effectRef idx="0">
+            <a:schemeClr val="accent1"/>
+          </a:effectRef>
+          <a:fontRef idx="minor">
+            <a:schemeClr val="lt1"/>
+          </a:fontRef>
+        </p:style>
+        <p:txBody>
+          <a:bodyPr rtlCol="0" anchor="ctr"/>
+          <a:lstStyle/>
+          <a:p>
+            <a:pPr algn="ctr"/>
+            <a:r>
+              <a:rPr lang="en-US" altLang="ko-KR" sz="1300" b="1" dirty="0" err="1" smtClean="0">
+                <a:solidFill>
+                  <a:schemeClr val="tx1"/>
+                </a:solidFill>
+              </a:rPr>
+              <a:t>WooGa</a:t>
+            </a:r>
+            <a:endParaRPr lang="ko-KR" altLang="en-US" sz="1300" b="1" dirty="0">
+              <a:solidFill>
+                <a:schemeClr val="tx1"/>
+              </a:solidFill>
+            </a:endParaRPr>
+          </a:p>
+        </p:txBody>
+      </p:sp>
+      <p:sp>
+        <p:nvSpPr>
+          <p:cNvPr id="8" name="직사각형 7"/>
+          <p:cNvSpPr/>
+          <p:nvPr/>
+        </p:nvSpPr>
+        <p:spPr>
+          <a:xfrm>
+            <a:off x="6876256" y="260648"/>
+            <a:ext cx="2017433" cy="648072"/>
+          </a:xfrm>
+          <a:prstGeom prst="rect">
+            <a:avLst/>
+          </a:prstGeom>
+          <a:noFill/>
+          <a:ln>
+            <a:solidFill>
+              <a:schemeClr val="tx1"/>
+            </a:solidFill>
+          </a:ln>
+        </p:spPr>
+        <p:style>
+          <a:lnRef idx="2">
+            <a:schemeClr val="accent1">
+              <a:shade val="50000"/>
+            </a:schemeClr>
+          </a:lnRef>
+          <a:fillRef idx="1">
+            <a:schemeClr val="accent1"/>
+          </a:fillRef>
+          <a:effectRef idx="0">
+            <a:schemeClr val="accent1"/>
+          </a:effectRef>
+          <a:fontRef idx="minor">
+            <a:schemeClr val="lt1"/>
+          </a:fontRef>
+        </p:style>
+        <p:txBody>
+          <a:bodyPr rtlCol="0" anchor="ctr"/>
+          <a:lstStyle/>
+          <a:p>
+            <a:pPr algn="ctr"/>
+            <a:r>
+              <a:rPr lang="ko-KR" altLang="en-US" sz="1300" dirty="0" smtClean="0">
+                <a:solidFill>
+                  <a:schemeClr val="tx1"/>
+                </a:solidFill>
+              </a:rPr>
+              <a:t>             유저이름</a:t>
+            </a:r>
+            <a:endParaRPr lang="ko-KR" altLang="en-US" sz="1300" dirty="0">
+              <a:solidFill>
+                <a:schemeClr val="tx1"/>
+              </a:solidFill>
+            </a:endParaRPr>
+          </a:p>
+        </p:txBody>
+      </p:sp>
+      <p:pic>
+        <p:nvPicPr>
+          <p:cNvPr id="1029" name="Picture 5"/>
+          <p:cNvPicPr>
+            <a:picLocks noChangeAspect="1" noChangeArrowheads="1"/>
+          </p:cNvPicPr>
+          <p:nvPr/>
+        </p:nvPicPr>
+        <p:blipFill>
+          <a:blip r:embed="rId2">
+            <a:extLst>
+              <a:ext uri="{28A0092B-C50C-407E-A947-70E740481C1C}">
+                <a14:useLocalDpi xmlns:a14="http://schemas.microsoft.com/office/drawing/2010/main" val="0"/>
+              </a:ext>
+            </a:extLst>
+          </a:blip>
+          <a:srcRect/>
+          <a:stretch>
+            <a:fillRect/>
+          </a:stretch>
+        </p:blipFill>
+        <p:spPr bwMode="auto">
+          <a:xfrm>
+            <a:off x="369507" y="375134"/>
+            <a:ext cx="403225" cy="419100"/>
+          </a:xfrm>
+          <a:prstGeom prst="rect">
+            <a:avLst/>
+          </a:prstGeom>
+          <a:noFill/>
+          <a:ln>
+            <a:noFill/>
+          </a:ln>
+          <a:effectLst/>
+          <a:extLst>
+            <a:ext uri="{909E8E84-426E-40DD-AFC4-6F175D3DCCD1}">
+              <a14:hiddenFill xmlns:a14="http://schemas.microsoft.com/office/drawing/2010/main">
+                <a:solidFill>
+                  <a:schemeClr val="accent1"/>
+                </a:solidFill>
+              </a14:hiddenFill>
+            </a:ext>
+            <a:ext uri="{91240B29-F687-4F45-9708-019B960494DF}">
+              <a14:hiddenLine xmlns:a14="http://schemas.microsoft.com/office/drawing/2010/main" w="9525">
+                <a:solidFill>
+                  <a:schemeClr val="tx1"/>
+                </a:solidFill>
+                <a:miter lim="800000"/>
+                <a:headEnd/>
+                <a:tailEnd/>
+              </a14:hiddenLine>
+            </a:ext>
+            <a:ext uri="{AF507438-7753-43E0-B8FC-AC1667EBCBE1}">
+              <a14:hiddenEffects xmlns:a14="http://schemas.microsoft.com/office/drawing/2010/main">
+                <a:effectLst>
+                  <a:outerShdw dist="35921" dir="2700000" algn="ctr" rotWithShape="0">
+                    <a:schemeClr val="bg2"/>
+                  </a:outerShdw>
+                </a:effectLst>
+              </a14:hiddenEffects>
+            </a:ext>
+          </a:extLst>
+        </p:spPr>
+      </p:pic>
+      <p:sp>
+        <p:nvSpPr>
+          <p:cNvPr id="3" name="직사각형 2"/>
+          <p:cNvSpPr/>
+          <p:nvPr/>
+        </p:nvSpPr>
+        <p:spPr>
+          <a:xfrm>
+            <a:off x="1979712" y="375134"/>
+            <a:ext cx="1296144" cy="419100"/>
+          </a:xfrm>
+          <a:prstGeom prst="rect">
+            <a:avLst/>
+          </a:prstGeom>
+          <a:noFill/>
+          <a:ln>
+            <a:solidFill>
+              <a:schemeClr val="tx1"/>
+            </a:solidFill>
+          </a:ln>
+        </p:spPr>
+        <p:style>
+          <a:lnRef idx="2">
+            <a:schemeClr val="accent1">
+              <a:shade val="50000"/>
+            </a:schemeClr>
+          </a:lnRef>
+          <a:fillRef idx="1">
+            <a:schemeClr val="accent1"/>
+          </a:fillRef>
+          <a:effectRef idx="0">
+            <a:schemeClr val="accent1"/>
+          </a:effectRef>
+          <a:fontRef idx="minor">
+            <a:schemeClr val="lt1"/>
+          </a:fontRef>
+        </p:style>
+        <p:txBody>
+          <a:bodyPr rtlCol="0" anchor="ctr"/>
+          <a:lstStyle/>
+          <a:p>
+            <a:pPr algn="ctr"/>
+            <a:r>
+              <a:rPr lang="ko-KR" altLang="en-US" sz="1200" dirty="0" smtClean="0">
+                <a:solidFill>
+                  <a:schemeClr val="tx1"/>
+                </a:solidFill>
+              </a:rPr>
+              <a:t>나의 </a:t>
+            </a:r>
+            <a:r>
+              <a:rPr lang="ko-KR" altLang="en-US" sz="1200" dirty="0" err="1" smtClean="0">
+                <a:solidFill>
+                  <a:schemeClr val="tx1"/>
+                </a:solidFill>
+              </a:rPr>
+              <a:t>페어</a:t>
+            </a:r>
+            <a:r>
+              <a:rPr lang="ko-KR" altLang="en-US" sz="1200" dirty="0" smtClean="0">
+                <a:solidFill>
+                  <a:schemeClr val="tx1"/>
+                </a:solidFill>
+              </a:rPr>
+              <a:t> 목록</a:t>
+            </a:r>
+            <a:endParaRPr lang="ko-KR" altLang="en-US" sz="1200" dirty="0">
+              <a:solidFill>
+                <a:schemeClr val="tx1"/>
+              </a:solidFill>
+            </a:endParaRPr>
+          </a:p>
+        </p:txBody>
+      </p:sp>
+      <p:sp>
+        <p:nvSpPr>
+          <p:cNvPr id="15" name="직사각형 14"/>
+          <p:cNvSpPr/>
+          <p:nvPr/>
+        </p:nvSpPr>
+        <p:spPr>
+          <a:xfrm>
+            <a:off x="3329788" y="375134"/>
+            <a:ext cx="1962292" cy="419100"/>
+          </a:xfrm>
+          <a:prstGeom prst="rect">
+            <a:avLst/>
+          </a:prstGeom>
+          <a:noFill/>
+          <a:ln>
+            <a:solidFill>
+              <a:schemeClr val="tx1"/>
+            </a:solidFill>
+          </a:ln>
+        </p:spPr>
+        <p:style>
+          <a:lnRef idx="2">
+            <a:schemeClr val="accent1">
+              <a:shade val="50000"/>
+            </a:schemeClr>
+          </a:lnRef>
+          <a:fillRef idx="1">
+            <a:schemeClr val="accent1"/>
+          </a:fillRef>
+          <a:effectRef idx="0">
+            <a:schemeClr val="accent1"/>
+          </a:effectRef>
+          <a:fontRef idx="minor">
+            <a:schemeClr val="lt1"/>
+          </a:fontRef>
+        </p:style>
+        <p:txBody>
+          <a:bodyPr rtlCol="0" anchor="ctr"/>
+          <a:lstStyle/>
+          <a:p>
+            <a:pPr algn="ctr"/>
+            <a:r>
+              <a:rPr lang="ko-KR" altLang="en-US" sz="1200" dirty="0" smtClean="0">
+                <a:solidFill>
+                  <a:schemeClr val="tx1"/>
+                </a:solidFill>
+              </a:rPr>
+              <a:t>최근 내가 등록한 가계부</a:t>
+            </a:r>
+            <a:endParaRPr lang="ko-KR" altLang="en-US" sz="1200" dirty="0">
+              <a:solidFill>
+                <a:schemeClr val="tx1"/>
+              </a:solidFill>
+            </a:endParaRPr>
+          </a:p>
+        </p:txBody>
+      </p:sp>
+      <p:sp>
+        <p:nvSpPr>
+          <p:cNvPr id="16" name="직사각형 15"/>
+          <p:cNvSpPr/>
+          <p:nvPr/>
+        </p:nvSpPr>
+        <p:spPr>
+          <a:xfrm>
+            <a:off x="5372861" y="375134"/>
+            <a:ext cx="965511" cy="419100"/>
+          </a:xfrm>
+          <a:prstGeom prst="rect">
+            <a:avLst/>
+          </a:prstGeom>
+          <a:noFill/>
+          <a:ln>
+            <a:solidFill>
+              <a:schemeClr val="tx1"/>
+            </a:solidFill>
+          </a:ln>
+        </p:spPr>
+        <p:style>
+          <a:lnRef idx="2">
+            <a:schemeClr val="accent1">
+              <a:shade val="50000"/>
+            </a:schemeClr>
+          </a:lnRef>
+          <a:fillRef idx="1">
+            <a:schemeClr val="accent1"/>
+          </a:fillRef>
+          <a:effectRef idx="0">
+            <a:schemeClr val="accent1"/>
+          </a:effectRef>
+          <a:fontRef idx="minor">
+            <a:schemeClr val="lt1"/>
+          </a:fontRef>
+        </p:style>
+        <p:txBody>
+          <a:bodyPr rtlCol="0" anchor="ctr"/>
+          <a:lstStyle/>
+          <a:p>
+            <a:pPr algn="ctr"/>
+            <a:r>
+              <a:rPr lang="ko-KR" altLang="en-US" sz="1200" dirty="0" err="1" smtClean="0">
+                <a:solidFill>
+                  <a:schemeClr val="tx1"/>
+                </a:solidFill>
+              </a:rPr>
+              <a:t>페어</a:t>
+            </a:r>
+            <a:r>
+              <a:rPr lang="ko-KR" altLang="en-US" sz="1200" dirty="0" smtClean="0">
+                <a:solidFill>
+                  <a:schemeClr val="tx1"/>
+                </a:solidFill>
+              </a:rPr>
+              <a:t> 설정</a:t>
+            </a:r>
+            <a:endParaRPr lang="ko-KR" altLang="en-US" sz="1200" dirty="0">
+              <a:solidFill>
+                <a:schemeClr val="tx1"/>
+              </a:solidFill>
+            </a:endParaRPr>
+          </a:p>
+        </p:txBody>
+      </p:sp>
+      <p:sp>
+        <p:nvSpPr>
+          <p:cNvPr id="4" name="타원 3"/>
+          <p:cNvSpPr/>
+          <p:nvPr/>
+        </p:nvSpPr>
+        <p:spPr>
+          <a:xfrm>
+            <a:off x="7236296" y="317891"/>
+            <a:ext cx="549522" cy="533586"/>
+          </a:xfrm>
+          <a:prstGeom prst="ellipse">
+            <a:avLst/>
+          </a:prstGeom>
+          <a:noFill/>
+          <a:ln>
+            <a:solidFill>
+              <a:schemeClr val="tx1"/>
+            </a:solidFill>
+          </a:ln>
+        </p:spPr>
+        <p:style>
+          <a:lnRef idx="2">
+            <a:schemeClr val="accent1">
+              <a:shade val="50000"/>
+            </a:schemeClr>
+          </a:lnRef>
+          <a:fillRef idx="1">
+            <a:schemeClr val="accent1"/>
+          </a:fillRef>
+          <a:effectRef idx="0">
+            <a:schemeClr val="accent1"/>
+          </a:effectRef>
+          <a:fontRef idx="minor">
+            <a:schemeClr val="lt1"/>
+          </a:fontRef>
+        </p:style>
+        <p:txBody>
+          <a:bodyPr rtlCol="0" anchor="ctr"/>
+          <a:lstStyle/>
+          <a:p>
+            <a:pPr algn="ctr"/>
+            <a:r>
+              <a:rPr lang="en-US" altLang="ko-KR" sz="800" dirty="0" err="1" smtClean="0">
+                <a:solidFill>
+                  <a:schemeClr val="tx1"/>
+                </a:solidFill>
+              </a:rPr>
+              <a:t>Img</a:t>
+            </a:r>
+            <a:endParaRPr lang="ko-KR" altLang="en-US" sz="800" dirty="0">
+              <a:solidFill>
+                <a:schemeClr val="tx1"/>
+              </a:solidFill>
+            </a:endParaRPr>
+          </a:p>
+        </p:txBody>
+      </p:sp>
+      <p:sp>
+        <p:nvSpPr>
+          <p:cNvPr id="9" name="직사각형 8"/>
+          <p:cNvSpPr/>
+          <p:nvPr/>
+        </p:nvSpPr>
+        <p:spPr>
+          <a:xfrm>
+            <a:off x="7138553" y="944390"/>
+            <a:ext cx="1761310" cy="324370"/>
+          </a:xfrm>
+          <a:prstGeom prst="rect">
+            <a:avLst/>
+          </a:prstGeom>
+          <a:noFill/>
+          <a:ln>
+            <a:solidFill>
+              <a:schemeClr val="tx1"/>
+            </a:solidFill>
+          </a:ln>
+        </p:spPr>
+        <p:style>
+          <a:lnRef idx="2">
+            <a:schemeClr val="accent1">
+              <a:shade val="50000"/>
+            </a:schemeClr>
+          </a:lnRef>
+          <a:fillRef idx="1">
+            <a:schemeClr val="accent1"/>
+          </a:fillRef>
+          <a:effectRef idx="0">
+            <a:schemeClr val="accent1"/>
+          </a:effectRef>
+          <a:fontRef idx="minor">
+            <a:schemeClr val="lt1"/>
+          </a:fontRef>
+        </p:style>
+        <p:txBody>
+          <a:bodyPr rtlCol="0" anchor="ctr"/>
+          <a:lstStyle/>
+          <a:p>
+            <a:pPr algn="ctr"/>
+            <a:r>
+              <a:rPr lang="ko-KR" altLang="en-US" sz="1200" dirty="0" smtClean="0">
+                <a:solidFill>
+                  <a:schemeClr val="tx1"/>
+                </a:solidFill>
+              </a:rPr>
+              <a:t>설정</a:t>
+            </a:r>
+            <a:endParaRPr lang="ko-KR" altLang="en-US" sz="1200" dirty="0">
+              <a:solidFill>
+                <a:schemeClr val="tx1"/>
+              </a:solidFill>
+            </a:endParaRPr>
+          </a:p>
+        </p:txBody>
+      </p:sp>
+      <p:sp>
+        <p:nvSpPr>
+          <p:cNvPr id="10" name="TextBox 9"/>
+          <p:cNvSpPr txBox="1"/>
+          <p:nvPr/>
+        </p:nvSpPr>
+        <p:spPr>
+          <a:xfrm>
+            <a:off x="8669476" y="558387"/>
+            <a:ext cx="2589170" cy="369332"/>
+          </a:xfrm>
+          <a:prstGeom prst="rect">
+            <a:avLst/>
+          </a:prstGeom>
+          <a:noFill/>
+        </p:spPr>
+        <p:txBody>
+          <a:bodyPr wrap="none" rtlCol="0">
+            <a:spAutoFit/>
+          </a:bodyPr>
+          <a:lstStyle/>
+          <a:p>
+            <a:r>
+              <a:rPr lang="ko-KR" altLang="en-US" dirty="0" smtClean="0">
+                <a:solidFill>
+                  <a:srgbClr val="FF0000"/>
+                </a:solidFill>
+              </a:rPr>
+              <a:t>클릭 시 하단 메뉴 생성</a:t>
+            </a:r>
+            <a:endParaRPr lang="ko-KR" altLang="en-US" dirty="0">
+              <a:solidFill>
+                <a:srgbClr val="FF0000"/>
+              </a:solidFill>
+            </a:endParaRPr>
+          </a:p>
+        </p:txBody>
+      </p:sp>
+      <p:sp>
+        <p:nvSpPr>
+          <p:cNvPr id="19" name="직사각형 18"/>
+          <p:cNvSpPr/>
+          <p:nvPr/>
+        </p:nvSpPr>
+        <p:spPr>
+          <a:xfrm>
+            <a:off x="7138553" y="1332555"/>
+            <a:ext cx="1761310" cy="324370"/>
+          </a:xfrm>
+          <a:prstGeom prst="rect">
+            <a:avLst/>
+          </a:prstGeom>
+          <a:noFill/>
+          <a:ln>
+            <a:solidFill>
+              <a:schemeClr val="tx1"/>
+            </a:solidFill>
+          </a:ln>
+        </p:spPr>
+        <p:style>
+          <a:lnRef idx="2">
+            <a:schemeClr val="accent1">
+              <a:shade val="50000"/>
+            </a:schemeClr>
+          </a:lnRef>
+          <a:fillRef idx="1">
+            <a:schemeClr val="accent1"/>
+          </a:fillRef>
+          <a:effectRef idx="0">
+            <a:schemeClr val="accent1"/>
+          </a:effectRef>
+          <a:fontRef idx="minor">
+            <a:schemeClr val="lt1"/>
+          </a:fontRef>
+        </p:style>
+        <p:txBody>
+          <a:bodyPr rtlCol="0" anchor="ctr"/>
+          <a:lstStyle/>
+          <a:p>
+            <a:pPr algn="ctr"/>
+            <a:r>
+              <a:rPr lang="ko-KR" altLang="en-US" sz="1200" dirty="0" smtClean="0">
+                <a:solidFill>
+                  <a:schemeClr val="tx1"/>
+                </a:solidFill>
+              </a:rPr>
+              <a:t>로그아웃</a:t>
+            </a:r>
+            <a:endParaRPr lang="ko-KR" altLang="en-US" sz="1200" dirty="0">
+              <a:solidFill>
+                <a:schemeClr val="tx1"/>
+              </a:solidFill>
+            </a:endParaRPr>
+          </a:p>
+        </p:txBody>
+      </p:sp>
+      <p:grpSp>
+        <p:nvGrpSpPr>
+          <p:cNvPr id="13" name="그룹 12"/>
+          <p:cNvGrpSpPr/>
+          <p:nvPr/>
+        </p:nvGrpSpPr>
+        <p:grpSpPr>
+          <a:xfrm>
+            <a:off x="382521" y="1772816"/>
+            <a:ext cx="8378957" cy="936104"/>
+            <a:chOff x="382521" y="1772816"/>
+            <a:chExt cx="8378957" cy="936104"/>
+          </a:xfrm>
+        </p:grpSpPr>
+        <p:sp>
+          <p:nvSpPr>
+            <p:cNvPr id="2" name="직사각형 1"/>
+            <p:cNvSpPr/>
+            <p:nvPr/>
+          </p:nvSpPr>
+          <p:spPr>
+            <a:xfrm>
+              <a:off x="382521" y="1772816"/>
+              <a:ext cx="8378957" cy="936104"/>
+            </a:xfrm>
+            <a:prstGeom prst="rect">
+              <a:avLst/>
+            </a:prstGeom>
+            <a:noFill/>
+            <a:ln>
+              <a:solidFill>
+                <a:schemeClr val="tx1"/>
+              </a:solidFill>
+            </a:ln>
+          </p:spPr>
+          <p:style>
+            <a:lnRef idx="2">
+              <a:schemeClr val="accent1">
+                <a:shade val="50000"/>
+              </a:schemeClr>
+            </a:lnRef>
+            <a:fillRef idx="1">
+              <a:schemeClr val="accent1"/>
+            </a:fillRef>
+            <a:effectRef idx="0">
+              <a:schemeClr val="accent1"/>
+            </a:effectRef>
+            <a:fontRef idx="minor">
+              <a:schemeClr val="lt1"/>
+            </a:fontRef>
+          </p:style>
+          <p:txBody>
+            <a:bodyPr rtlCol="0" anchor="ctr"/>
+            <a:lstStyle/>
+            <a:p>
+              <a:pPr algn="ctr"/>
+              <a:endParaRPr lang="ko-KR" altLang="en-US">
+                <a:solidFill>
+                  <a:schemeClr val="tx1"/>
+                </a:solidFill>
+              </a:endParaRPr>
+            </a:p>
+          </p:txBody>
+        </p:sp>
+        <p:sp>
+          <p:nvSpPr>
+            <p:cNvPr id="22" name="타원 21"/>
+            <p:cNvSpPr/>
+            <p:nvPr/>
+          </p:nvSpPr>
+          <p:spPr>
+            <a:xfrm>
+              <a:off x="548470" y="1974075"/>
+              <a:ext cx="549522" cy="533586"/>
+            </a:xfrm>
+            <a:prstGeom prst="ellipse">
+              <a:avLst/>
+            </a:prstGeom>
+            <a:noFill/>
+            <a:ln>
+              <a:solidFill>
+                <a:schemeClr val="tx1"/>
+              </a:solidFill>
+            </a:ln>
+          </p:spPr>
+          <p:style>
+            <a:lnRef idx="2">
+              <a:schemeClr val="accent1">
+                <a:shade val="50000"/>
+              </a:schemeClr>
+            </a:lnRef>
+            <a:fillRef idx="1">
+              <a:schemeClr val="accent1"/>
+            </a:fillRef>
+            <a:effectRef idx="0">
+              <a:schemeClr val="accent1"/>
+            </a:effectRef>
+            <a:fontRef idx="minor">
+              <a:schemeClr val="lt1"/>
+            </a:fontRef>
+          </p:style>
+          <p:txBody>
+            <a:bodyPr rtlCol="0" anchor="ctr"/>
+            <a:lstStyle/>
+            <a:p>
+              <a:pPr algn="ctr"/>
+              <a:r>
+                <a:rPr lang="ko-KR" altLang="en-US" sz="800" dirty="0" err="1" smtClean="0">
+                  <a:solidFill>
+                    <a:schemeClr val="tx1"/>
+                  </a:solidFill>
+                </a:rPr>
+                <a:t>페어</a:t>
+              </a:r>
+              <a:r>
+                <a:rPr lang="ko-KR" altLang="en-US" sz="800" dirty="0" smtClean="0">
+                  <a:solidFill>
+                    <a:schemeClr val="tx1"/>
+                  </a:solidFill>
+                </a:rPr>
+                <a:t> </a:t>
+              </a:r>
+              <a:r>
+                <a:rPr lang="en-US" altLang="ko-KR" sz="800" dirty="0" smtClean="0">
+                  <a:solidFill>
+                    <a:schemeClr val="tx1"/>
+                  </a:solidFill>
+                </a:rPr>
+                <a:t>user </a:t>
+              </a:r>
+              <a:r>
+                <a:rPr lang="en-US" altLang="ko-KR" sz="800" dirty="0" err="1" smtClean="0">
+                  <a:solidFill>
+                    <a:schemeClr val="tx1"/>
+                  </a:solidFill>
+                </a:rPr>
+                <a:t>Img</a:t>
+              </a:r>
+              <a:endParaRPr lang="ko-KR" altLang="en-US" sz="800" dirty="0">
+                <a:solidFill>
+                  <a:schemeClr val="tx1"/>
+                </a:solidFill>
+              </a:endParaRPr>
+            </a:p>
+          </p:txBody>
+        </p:sp>
+        <p:sp>
+          <p:nvSpPr>
+            <p:cNvPr id="11" name="TextBox 10"/>
+            <p:cNvSpPr txBox="1"/>
+            <p:nvPr/>
+          </p:nvSpPr>
+          <p:spPr>
+            <a:xfrm>
+              <a:off x="1122157" y="2102368"/>
+              <a:ext cx="1220206" cy="276999"/>
+            </a:xfrm>
+            <a:prstGeom prst="rect">
+              <a:avLst/>
+            </a:prstGeom>
+            <a:noFill/>
+          </p:spPr>
+          <p:txBody>
+            <a:bodyPr wrap="none" rtlCol="0">
+              <a:spAutoFit/>
+            </a:bodyPr>
+            <a:lstStyle/>
+            <a:p>
+              <a:r>
+                <a:rPr lang="ko-KR" altLang="en-US" sz="1200" dirty="0" err="1" smtClean="0"/>
+                <a:t>페어</a:t>
+              </a:r>
+              <a:r>
+                <a:rPr lang="ko-KR" altLang="en-US" sz="1200" dirty="0" smtClean="0"/>
+                <a:t> </a:t>
+              </a:r>
+              <a:r>
+                <a:rPr lang="en-US" altLang="ko-KR" sz="1200" dirty="0" smtClean="0"/>
+                <a:t>User </a:t>
+              </a:r>
+              <a:r>
+                <a:rPr lang="ko-KR" altLang="en-US" sz="1200" dirty="0" smtClean="0"/>
+                <a:t>이름</a:t>
+              </a:r>
+              <a:endParaRPr lang="ko-KR" altLang="en-US" sz="1200" dirty="0"/>
+            </a:p>
+          </p:txBody>
+        </p:sp>
+        <p:sp>
+          <p:nvSpPr>
+            <p:cNvPr id="25" name="TextBox 24"/>
+            <p:cNvSpPr txBox="1"/>
+            <p:nvPr/>
+          </p:nvSpPr>
+          <p:spPr>
+            <a:xfrm>
+              <a:off x="7591847" y="2102368"/>
+              <a:ext cx="854721" cy="276999"/>
+            </a:xfrm>
+            <a:prstGeom prst="rect">
+              <a:avLst/>
+            </a:prstGeom>
+            <a:noFill/>
+            <a:ln>
+              <a:solidFill>
+                <a:schemeClr val="tx1"/>
+              </a:solidFill>
+            </a:ln>
+          </p:spPr>
+          <p:txBody>
+            <a:bodyPr wrap="none" rtlCol="0">
+              <a:spAutoFit/>
+            </a:bodyPr>
+            <a:lstStyle/>
+            <a:p>
+              <a:r>
+                <a:rPr lang="ko-KR" altLang="en-US" sz="1200" dirty="0" smtClean="0"/>
+                <a:t>요청 대기</a:t>
+              </a:r>
+              <a:endParaRPr lang="ko-KR" altLang="en-US" sz="1200" dirty="0"/>
+            </a:p>
+          </p:txBody>
+        </p:sp>
+      </p:grpSp>
+      <p:grpSp>
+        <p:nvGrpSpPr>
+          <p:cNvPr id="27" name="그룹 26"/>
+          <p:cNvGrpSpPr/>
+          <p:nvPr/>
+        </p:nvGrpSpPr>
+        <p:grpSpPr>
+          <a:xfrm>
+            <a:off x="382521" y="2863468"/>
+            <a:ext cx="8378957" cy="936104"/>
+            <a:chOff x="382521" y="1772816"/>
+            <a:chExt cx="8378957" cy="936104"/>
+          </a:xfrm>
+        </p:grpSpPr>
+        <p:sp>
+          <p:nvSpPr>
+            <p:cNvPr id="28" name="직사각형 27"/>
+            <p:cNvSpPr/>
+            <p:nvPr/>
+          </p:nvSpPr>
+          <p:spPr>
+            <a:xfrm>
+              <a:off x="382521" y="1772816"/>
+              <a:ext cx="8378957" cy="936104"/>
+            </a:xfrm>
+            <a:prstGeom prst="rect">
+              <a:avLst/>
+            </a:prstGeom>
+            <a:noFill/>
+            <a:ln>
+              <a:solidFill>
+                <a:schemeClr val="tx1"/>
+              </a:solidFill>
+            </a:ln>
+          </p:spPr>
+          <p:style>
+            <a:lnRef idx="2">
+              <a:schemeClr val="accent1">
+                <a:shade val="50000"/>
+              </a:schemeClr>
+            </a:lnRef>
+            <a:fillRef idx="1">
+              <a:schemeClr val="accent1"/>
+            </a:fillRef>
+            <a:effectRef idx="0">
+              <a:schemeClr val="accent1"/>
+            </a:effectRef>
+            <a:fontRef idx="minor">
+              <a:schemeClr val="lt1"/>
+            </a:fontRef>
+          </p:style>
+          <p:txBody>
+            <a:bodyPr rtlCol="0" anchor="ctr"/>
+            <a:lstStyle/>
+            <a:p>
+              <a:pPr algn="ctr"/>
+              <a:endParaRPr lang="ko-KR" altLang="en-US">
+                <a:solidFill>
+                  <a:schemeClr val="tx1"/>
+                </a:solidFill>
+              </a:endParaRPr>
+            </a:p>
+          </p:txBody>
+        </p:sp>
+        <p:sp>
+          <p:nvSpPr>
+            <p:cNvPr id="29" name="타원 28"/>
+            <p:cNvSpPr/>
+            <p:nvPr/>
+          </p:nvSpPr>
+          <p:spPr>
+            <a:xfrm>
+              <a:off x="548470" y="1974075"/>
+              <a:ext cx="549522" cy="533586"/>
+            </a:xfrm>
+            <a:prstGeom prst="ellipse">
+              <a:avLst/>
+            </a:prstGeom>
+            <a:noFill/>
+            <a:ln>
+              <a:solidFill>
+                <a:schemeClr val="tx1"/>
+              </a:solidFill>
+            </a:ln>
+          </p:spPr>
+          <p:style>
+            <a:lnRef idx="2">
+              <a:schemeClr val="accent1">
+                <a:shade val="50000"/>
+              </a:schemeClr>
+            </a:lnRef>
+            <a:fillRef idx="1">
+              <a:schemeClr val="accent1"/>
+            </a:fillRef>
+            <a:effectRef idx="0">
+              <a:schemeClr val="accent1"/>
+            </a:effectRef>
+            <a:fontRef idx="minor">
+              <a:schemeClr val="lt1"/>
+            </a:fontRef>
+          </p:style>
+          <p:txBody>
+            <a:bodyPr rtlCol="0" anchor="ctr"/>
+            <a:lstStyle/>
+            <a:p>
+              <a:pPr algn="ctr"/>
+              <a:r>
+                <a:rPr lang="ko-KR" altLang="en-US" sz="800" dirty="0" err="1" smtClean="0">
+                  <a:solidFill>
+                    <a:schemeClr val="tx1"/>
+                  </a:solidFill>
+                </a:rPr>
+                <a:t>페어</a:t>
+              </a:r>
+              <a:r>
+                <a:rPr lang="ko-KR" altLang="en-US" sz="800" dirty="0" smtClean="0">
+                  <a:solidFill>
+                    <a:schemeClr val="tx1"/>
+                  </a:solidFill>
+                </a:rPr>
+                <a:t> </a:t>
+              </a:r>
+              <a:r>
+                <a:rPr lang="en-US" altLang="ko-KR" sz="800" dirty="0" smtClean="0">
+                  <a:solidFill>
+                    <a:schemeClr val="tx1"/>
+                  </a:solidFill>
+                </a:rPr>
+                <a:t>user </a:t>
+              </a:r>
+              <a:r>
+                <a:rPr lang="en-US" altLang="ko-KR" sz="800" dirty="0" err="1" smtClean="0">
+                  <a:solidFill>
+                    <a:schemeClr val="tx1"/>
+                  </a:solidFill>
+                </a:rPr>
+                <a:t>Img</a:t>
+              </a:r>
+              <a:endParaRPr lang="ko-KR" altLang="en-US" sz="800" dirty="0">
+                <a:solidFill>
+                  <a:schemeClr val="tx1"/>
+                </a:solidFill>
+              </a:endParaRPr>
+            </a:p>
+          </p:txBody>
+        </p:sp>
+        <p:sp>
+          <p:nvSpPr>
+            <p:cNvPr id="30" name="TextBox 29"/>
+            <p:cNvSpPr txBox="1"/>
+            <p:nvPr/>
+          </p:nvSpPr>
+          <p:spPr>
+            <a:xfrm>
+              <a:off x="1122157" y="2102368"/>
+              <a:ext cx="1220206" cy="276999"/>
+            </a:xfrm>
+            <a:prstGeom prst="rect">
+              <a:avLst/>
+            </a:prstGeom>
+            <a:noFill/>
+          </p:spPr>
+          <p:txBody>
+            <a:bodyPr wrap="none" rtlCol="0">
+              <a:spAutoFit/>
+            </a:bodyPr>
+            <a:lstStyle/>
+            <a:p>
+              <a:r>
+                <a:rPr lang="ko-KR" altLang="en-US" sz="1200" dirty="0" err="1" smtClean="0"/>
+                <a:t>페어</a:t>
+              </a:r>
+              <a:r>
+                <a:rPr lang="ko-KR" altLang="en-US" sz="1200" dirty="0" smtClean="0"/>
+                <a:t> </a:t>
+              </a:r>
+              <a:r>
+                <a:rPr lang="en-US" altLang="ko-KR" sz="1200" dirty="0" smtClean="0"/>
+                <a:t>User </a:t>
+              </a:r>
+              <a:r>
+                <a:rPr lang="ko-KR" altLang="en-US" sz="1200" dirty="0" smtClean="0"/>
+                <a:t>이름</a:t>
+              </a:r>
+              <a:endParaRPr lang="ko-KR" altLang="en-US" sz="1200" dirty="0"/>
+            </a:p>
+          </p:txBody>
+        </p:sp>
+        <p:sp>
+          <p:nvSpPr>
+            <p:cNvPr id="31" name="TextBox 30"/>
+            <p:cNvSpPr txBox="1"/>
+            <p:nvPr/>
+          </p:nvSpPr>
+          <p:spPr>
+            <a:xfrm>
+              <a:off x="7696042" y="2102368"/>
+              <a:ext cx="646331" cy="276999"/>
+            </a:xfrm>
+            <a:prstGeom prst="rect">
+              <a:avLst/>
+            </a:prstGeom>
+            <a:noFill/>
+            <a:ln>
+              <a:solidFill>
+                <a:schemeClr val="tx1"/>
+              </a:solidFill>
+            </a:ln>
+          </p:spPr>
+          <p:txBody>
+            <a:bodyPr wrap="none" rtlCol="0">
+              <a:spAutoFit/>
+            </a:bodyPr>
+            <a:lstStyle/>
+            <a:p>
+              <a:r>
+                <a:rPr lang="ko-KR" altLang="en-US" sz="1200" dirty="0" smtClean="0"/>
+                <a:t>가계부</a:t>
+              </a:r>
+              <a:endParaRPr lang="ko-KR" altLang="en-US" sz="1200" dirty="0"/>
+            </a:p>
+          </p:txBody>
+        </p:sp>
+      </p:grpSp>
+      <p:sp>
+        <p:nvSpPr>
+          <p:cNvPr id="18" name="직사각형 17"/>
+          <p:cNvSpPr/>
+          <p:nvPr/>
+        </p:nvSpPr>
+        <p:spPr>
+          <a:xfrm>
+            <a:off x="387749" y="1147889"/>
+            <a:ext cx="1733167" cy="369332"/>
+          </a:xfrm>
+          <a:prstGeom prst="rect">
+            <a:avLst/>
+          </a:prstGeom>
+        </p:spPr>
+        <p:txBody>
+          <a:bodyPr wrap="none">
+            <a:spAutoFit/>
+          </a:bodyPr>
+          <a:lstStyle/>
+          <a:p>
+            <a:pPr algn="ctr"/>
+            <a:r>
+              <a:rPr lang="ko-KR" altLang="en-US" dirty="0"/>
+              <a:t>나의 </a:t>
+            </a:r>
+            <a:r>
+              <a:rPr lang="ko-KR" altLang="en-US" dirty="0" err="1"/>
+              <a:t>페어</a:t>
+            </a:r>
+            <a:r>
+              <a:rPr lang="ko-KR" altLang="en-US" dirty="0"/>
+              <a:t> 목록</a:t>
+            </a:r>
+            <a:endParaRPr lang="ko-KR" altLang="en-US" dirty="0"/>
+          </a:p>
+        </p:txBody>
+      </p:sp>
+      <p:grpSp>
+        <p:nvGrpSpPr>
+          <p:cNvPr id="33" name="그룹 32"/>
+          <p:cNvGrpSpPr/>
+          <p:nvPr/>
+        </p:nvGrpSpPr>
+        <p:grpSpPr>
+          <a:xfrm>
+            <a:off x="395682" y="3947821"/>
+            <a:ext cx="8378957" cy="936104"/>
+            <a:chOff x="382521" y="1772816"/>
+            <a:chExt cx="8378957" cy="936104"/>
+          </a:xfrm>
+        </p:grpSpPr>
+        <p:sp>
+          <p:nvSpPr>
+            <p:cNvPr id="34" name="직사각형 33"/>
+            <p:cNvSpPr/>
+            <p:nvPr/>
+          </p:nvSpPr>
+          <p:spPr>
+            <a:xfrm>
+              <a:off x="382521" y="1772816"/>
+              <a:ext cx="8378957" cy="936104"/>
+            </a:xfrm>
+            <a:prstGeom prst="rect">
+              <a:avLst/>
+            </a:prstGeom>
+            <a:noFill/>
+            <a:ln>
+              <a:solidFill>
+                <a:schemeClr val="tx1"/>
+              </a:solidFill>
+            </a:ln>
+          </p:spPr>
+          <p:style>
+            <a:lnRef idx="2">
+              <a:schemeClr val="accent1">
+                <a:shade val="50000"/>
+              </a:schemeClr>
+            </a:lnRef>
+            <a:fillRef idx="1">
+              <a:schemeClr val="accent1"/>
+            </a:fillRef>
+            <a:effectRef idx="0">
+              <a:schemeClr val="accent1"/>
+            </a:effectRef>
+            <a:fontRef idx="minor">
+              <a:schemeClr val="lt1"/>
+            </a:fontRef>
+          </p:style>
+          <p:txBody>
+            <a:bodyPr rtlCol="0" anchor="ctr"/>
+            <a:lstStyle/>
+            <a:p>
+              <a:pPr algn="ctr"/>
+              <a:endParaRPr lang="ko-KR" altLang="en-US">
+                <a:solidFill>
+                  <a:schemeClr val="tx1"/>
+                </a:solidFill>
+              </a:endParaRPr>
+            </a:p>
+          </p:txBody>
+        </p:sp>
+        <p:sp>
+          <p:nvSpPr>
+            <p:cNvPr id="35" name="타원 34"/>
+            <p:cNvSpPr/>
+            <p:nvPr/>
+          </p:nvSpPr>
+          <p:spPr>
+            <a:xfrm>
+              <a:off x="548470" y="1974075"/>
+              <a:ext cx="549522" cy="533586"/>
+            </a:xfrm>
+            <a:prstGeom prst="ellipse">
+              <a:avLst/>
+            </a:prstGeom>
+            <a:noFill/>
+            <a:ln>
+              <a:solidFill>
+                <a:schemeClr val="tx1"/>
+              </a:solidFill>
+            </a:ln>
+          </p:spPr>
+          <p:style>
+            <a:lnRef idx="2">
+              <a:schemeClr val="accent1">
+                <a:shade val="50000"/>
+              </a:schemeClr>
+            </a:lnRef>
+            <a:fillRef idx="1">
+              <a:schemeClr val="accent1"/>
+            </a:fillRef>
+            <a:effectRef idx="0">
+              <a:schemeClr val="accent1"/>
+            </a:effectRef>
+            <a:fontRef idx="minor">
+              <a:schemeClr val="lt1"/>
+            </a:fontRef>
+          </p:style>
+          <p:txBody>
+            <a:bodyPr rtlCol="0" anchor="ctr"/>
+            <a:lstStyle/>
+            <a:p>
+              <a:pPr algn="ctr"/>
+              <a:r>
+                <a:rPr lang="ko-KR" altLang="en-US" sz="800" dirty="0" err="1" smtClean="0">
+                  <a:solidFill>
+                    <a:schemeClr val="tx1"/>
+                  </a:solidFill>
+                </a:rPr>
+                <a:t>페어</a:t>
+              </a:r>
+              <a:r>
+                <a:rPr lang="ko-KR" altLang="en-US" sz="800" dirty="0" smtClean="0">
+                  <a:solidFill>
+                    <a:schemeClr val="tx1"/>
+                  </a:solidFill>
+                </a:rPr>
+                <a:t> </a:t>
+              </a:r>
+              <a:r>
+                <a:rPr lang="en-US" altLang="ko-KR" sz="800" dirty="0" smtClean="0">
+                  <a:solidFill>
+                    <a:schemeClr val="tx1"/>
+                  </a:solidFill>
+                </a:rPr>
+                <a:t>user </a:t>
+              </a:r>
+              <a:r>
+                <a:rPr lang="en-US" altLang="ko-KR" sz="800" dirty="0" err="1" smtClean="0">
+                  <a:solidFill>
+                    <a:schemeClr val="tx1"/>
+                  </a:solidFill>
+                </a:rPr>
+                <a:t>Img</a:t>
+              </a:r>
+              <a:endParaRPr lang="ko-KR" altLang="en-US" sz="800" dirty="0">
+                <a:solidFill>
+                  <a:schemeClr val="tx1"/>
+                </a:solidFill>
+              </a:endParaRPr>
+            </a:p>
+          </p:txBody>
+        </p:sp>
+        <p:sp>
+          <p:nvSpPr>
+            <p:cNvPr id="36" name="TextBox 35"/>
+            <p:cNvSpPr txBox="1"/>
+            <p:nvPr/>
+          </p:nvSpPr>
+          <p:spPr>
+            <a:xfrm>
+              <a:off x="1122157" y="2102368"/>
+              <a:ext cx="1220206" cy="276999"/>
+            </a:xfrm>
+            <a:prstGeom prst="rect">
+              <a:avLst/>
+            </a:prstGeom>
+            <a:noFill/>
+          </p:spPr>
+          <p:txBody>
+            <a:bodyPr wrap="none" rtlCol="0">
+              <a:spAutoFit/>
+            </a:bodyPr>
+            <a:lstStyle/>
+            <a:p>
+              <a:r>
+                <a:rPr lang="ko-KR" altLang="en-US" sz="1200" dirty="0" err="1" smtClean="0"/>
+                <a:t>페어</a:t>
+              </a:r>
+              <a:r>
+                <a:rPr lang="ko-KR" altLang="en-US" sz="1200" dirty="0" smtClean="0"/>
+                <a:t> </a:t>
+              </a:r>
+              <a:r>
+                <a:rPr lang="en-US" altLang="ko-KR" sz="1200" dirty="0" smtClean="0"/>
+                <a:t>User </a:t>
+              </a:r>
+              <a:r>
+                <a:rPr lang="ko-KR" altLang="en-US" sz="1200" dirty="0" smtClean="0"/>
+                <a:t>이름</a:t>
+              </a:r>
+              <a:endParaRPr lang="ko-KR" altLang="en-US" sz="1200" dirty="0"/>
+            </a:p>
+          </p:txBody>
+        </p:sp>
+        <p:sp>
+          <p:nvSpPr>
+            <p:cNvPr id="37" name="TextBox 36"/>
+            <p:cNvSpPr txBox="1"/>
+            <p:nvPr/>
+          </p:nvSpPr>
+          <p:spPr>
+            <a:xfrm>
+              <a:off x="7663388" y="2102368"/>
+              <a:ext cx="854721" cy="276999"/>
+            </a:xfrm>
+            <a:prstGeom prst="rect">
+              <a:avLst/>
+            </a:prstGeom>
+            <a:noFill/>
+            <a:ln>
+              <a:solidFill>
+                <a:schemeClr val="tx1"/>
+              </a:solidFill>
+            </a:ln>
+          </p:spPr>
+          <p:txBody>
+            <a:bodyPr wrap="none" rtlCol="0">
+              <a:spAutoFit/>
+            </a:bodyPr>
+            <a:lstStyle/>
+            <a:p>
+              <a:r>
+                <a:rPr lang="ko-KR" altLang="en-US" sz="1200" dirty="0" err="1" smtClean="0"/>
+                <a:t>페어</a:t>
+              </a:r>
+              <a:r>
+                <a:rPr lang="ko-KR" altLang="en-US" sz="1200" dirty="0" smtClean="0"/>
+                <a:t> 끊김</a:t>
+              </a:r>
+              <a:endParaRPr lang="ko-KR" altLang="en-US" sz="1200" dirty="0"/>
+            </a:p>
+          </p:txBody>
+        </p:sp>
+      </p:grpSp>
+      <p:grpSp>
+        <p:nvGrpSpPr>
+          <p:cNvPr id="38" name="그룹 37"/>
+          <p:cNvGrpSpPr/>
+          <p:nvPr/>
+        </p:nvGrpSpPr>
+        <p:grpSpPr>
+          <a:xfrm>
+            <a:off x="395682" y="5038473"/>
+            <a:ext cx="8378957" cy="936104"/>
+            <a:chOff x="382521" y="1772816"/>
+            <a:chExt cx="8378957" cy="936104"/>
+          </a:xfrm>
+        </p:grpSpPr>
+        <p:sp>
+          <p:nvSpPr>
+            <p:cNvPr id="39" name="직사각형 38"/>
+            <p:cNvSpPr/>
+            <p:nvPr/>
+          </p:nvSpPr>
+          <p:spPr>
+            <a:xfrm>
+              <a:off x="382521" y="1772816"/>
+              <a:ext cx="8378957" cy="936104"/>
+            </a:xfrm>
+            <a:prstGeom prst="rect">
+              <a:avLst/>
+            </a:prstGeom>
+            <a:noFill/>
+            <a:ln>
+              <a:solidFill>
+                <a:schemeClr val="tx1"/>
+              </a:solidFill>
+            </a:ln>
+          </p:spPr>
+          <p:style>
+            <a:lnRef idx="2">
+              <a:schemeClr val="accent1">
+                <a:shade val="50000"/>
+              </a:schemeClr>
+            </a:lnRef>
+            <a:fillRef idx="1">
+              <a:schemeClr val="accent1"/>
+            </a:fillRef>
+            <a:effectRef idx="0">
+              <a:schemeClr val="accent1"/>
+            </a:effectRef>
+            <a:fontRef idx="minor">
+              <a:schemeClr val="lt1"/>
+            </a:fontRef>
+          </p:style>
+          <p:txBody>
+            <a:bodyPr rtlCol="0" anchor="ctr"/>
+            <a:lstStyle/>
+            <a:p>
+              <a:pPr algn="ctr"/>
+              <a:endParaRPr lang="ko-KR" altLang="en-US">
+                <a:solidFill>
+                  <a:schemeClr val="tx1"/>
+                </a:solidFill>
+              </a:endParaRPr>
+            </a:p>
+          </p:txBody>
+        </p:sp>
+        <p:sp>
+          <p:nvSpPr>
+            <p:cNvPr id="40" name="타원 39"/>
+            <p:cNvSpPr/>
+            <p:nvPr/>
+          </p:nvSpPr>
+          <p:spPr>
+            <a:xfrm>
+              <a:off x="548470" y="1974075"/>
+              <a:ext cx="549522" cy="533586"/>
+            </a:xfrm>
+            <a:prstGeom prst="ellipse">
+              <a:avLst/>
+            </a:prstGeom>
+            <a:noFill/>
+            <a:ln>
+              <a:solidFill>
+                <a:schemeClr val="tx1"/>
+              </a:solidFill>
+            </a:ln>
+          </p:spPr>
+          <p:style>
+            <a:lnRef idx="2">
+              <a:schemeClr val="accent1">
+                <a:shade val="50000"/>
+              </a:schemeClr>
+            </a:lnRef>
+            <a:fillRef idx="1">
+              <a:schemeClr val="accent1"/>
+            </a:fillRef>
+            <a:effectRef idx="0">
+              <a:schemeClr val="accent1"/>
+            </a:effectRef>
+            <a:fontRef idx="minor">
+              <a:schemeClr val="lt1"/>
+            </a:fontRef>
+          </p:style>
+          <p:txBody>
+            <a:bodyPr rtlCol="0" anchor="ctr"/>
+            <a:lstStyle/>
+            <a:p>
+              <a:pPr algn="ctr"/>
+              <a:r>
+                <a:rPr lang="ko-KR" altLang="en-US" sz="800" dirty="0" err="1" smtClean="0">
+                  <a:solidFill>
+                    <a:schemeClr val="tx1"/>
+                  </a:solidFill>
+                </a:rPr>
+                <a:t>페어</a:t>
+              </a:r>
+              <a:r>
+                <a:rPr lang="ko-KR" altLang="en-US" sz="800" dirty="0" smtClean="0">
+                  <a:solidFill>
+                    <a:schemeClr val="tx1"/>
+                  </a:solidFill>
+                </a:rPr>
+                <a:t> </a:t>
+              </a:r>
+              <a:r>
+                <a:rPr lang="en-US" altLang="ko-KR" sz="800" dirty="0" smtClean="0">
+                  <a:solidFill>
+                    <a:schemeClr val="tx1"/>
+                  </a:solidFill>
+                </a:rPr>
+                <a:t>user </a:t>
+              </a:r>
+              <a:r>
+                <a:rPr lang="en-US" altLang="ko-KR" sz="800" dirty="0" err="1" smtClean="0">
+                  <a:solidFill>
+                    <a:schemeClr val="tx1"/>
+                  </a:solidFill>
+                </a:rPr>
+                <a:t>Img</a:t>
+              </a:r>
+              <a:endParaRPr lang="ko-KR" altLang="en-US" sz="800" dirty="0">
+                <a:solidFill>
+                  <a:schemeClr val="tx1"/>
+                </a:solidFill>
+              </a:endParaRPr>
+            </a:p>
+          </p:txBody>
+        </p:sp>
+        <p:sp>
+          <p:nvSpPr>
+            <p:cNvPr id="41" name="TextBox 40"/>
+            <p:cNvSpPr txBox="1"/>
+            <p:nvPr/>
+          </p:nvSpPr>
+          <p:spPr>
+            <a:xfrm>
+              <a:off x="1122157" y="2102368"/>
+              <a:ext cx="1220206" cy="276999"/>
+            </a:xfrm>
+            <a:prstGeom prst="rect">
+              <a:avLst/>
+            </a:prstGeom>
+            <a:noFill/>
+          </p:spPr>
+          <p:txBody>
+            <a:bodyPr wrap="none" rtlCol="0">
+              <a:spAutoFit/>
+            </a:bodyPr>
+            <a:lstStyle/>
+            <a:p>
+              <a:r>
+                <a:rPr lang="ko-KR" altLang="en-US" sz="1200" dirty="0" err="1" smtClean="0"/>
+                <a:t>페어</a:t>
+              </a:r>
+              <a:r>
+                <a:rPr lang="ko-KR" altLang="en-US" sz="1200" dirty="0" smtClean="0"/>
+                <a:t> </a:t>
+              </a:r>
+              <a:r>
+                <a:rPr lang="en-US" altLang="ko-KR" sz="1200" dirty="0" smtClean="0"/>
+                <a:t>User </a:t>
+              </a:r>
+              <a:r>
+                <a:rPr lang="ko-KR" altLang="en-US" sz="1200" dirty="0" smtClean="0"/>
+                <a:t>이름</a:t>
+              </a:r>
+              <a:endParaRPr lang="ko-KR" altLang="en-US" sz="1200" dirty="0"/>
+            </a:p>
+          </p:txBody>
+        </p:sp>
+        <p:sp>
+          <p:nvSpPr>
+            <p:cNvPr id="42" name="TextBox 41"/>
+            <p:cNvSpPr txBox="1"/>
+            <p:nvPr/>
+          </p:nvSpPr>
+          <p:spPr>
+            <a:xfrm>
+              <a:off x="7787076" y="2102368"/>
+              <a:ext cx="646331" cy="276999"/>
+            </a:xfrm>
+            <a:prstGeom prst="rect">
+              <a:avLst/>
+            </a:prstGeom>
+            <a:noFill/>
+            <a:ln>
+              <a:solidFill>
+                <a:schemeClr val="tx1"/>
+              </a:solidFill>
+            </a:ln>
+          </p:spPr>
+          <p:txBody>
+            <a:bodyPr wrap="none" rtlCol="0">
+              <a:spAutoFit/>
+            </a:bodyPr>
+            <a:lstStyle/>
+            <a:p>
+              <a:r>
+                <a:rPr lang="ko-KR" altLang="en-US" sz="1200" dirty="0" smtClean="0"/>
+                <a:t>가계부</a:t>
+              </a:r>
+              <a:endParaRPr lang="ko-KR" altLang="en-US" sz="1200" dirty="0"/>
+            </a:p>
+          </p:txBody>
+        </p:sp>
+      </p:grpSp>
+    </p:spTree>
+    <p:extLst>
+      <p:ext uri="{BB962C8B-B14F-4D97-AF65-F5344CB8AC3E}">
+        <p14:creationId xmlns:p14="http://schemas.microsoft.com/office/powerpoint/2010/main" val="438346701"/>
       </p:ext>
     </p:extLst>
   </p:cSld>

--- a/화면 설계.pptx
+++ b/화면 설계.pptx
@@ -290,7 +290,7 @@
           <a:p>
             <a:fld id="{826DCF38-90DB-4D8C-BBBF-146D185ABA65}" type="datetimeFigureOut">
               <a:rPr lang="ko-KR" altLang="en-US" smtClean="0"/>
-              <a:t>2023-06-07</a:t>
+              <a:t>2023-07-12</a:t>
             </a:fld>
             <a:endParaRPr lang="ko-KR" altLang="en-US"/>
           </a:p>
@@ -460,7 +460,7 @@
           <a:p>
             <a:fld id="{826DCF38-90DB-4D8C-BBBF-146D185ABA65}" type="datetimeFigureOut">
               <a:rPr lang="ko-KR" altLang="en-US" smtClean="0"/>
-              <a:t>2023-06-07</a:t>
+              <a:t>2023-07-12</a:t>
             </a:fld>
             <a:endParaRPr lang="ko-KR" altLang="en-US"/>
           </a:p>
@@ -640,7 +640,7 @@
           <a:p>
             <a:fld id="{826DCF38-90DB-4D8C-BBBF-146D185ABA65}" type="datetimeFigureOut">
               <a:rPr lang="ko-KR" altLang="en-US" smtClean="0"/>
-              <a:t>2023-06-07</a:t>
+              <a:t>2023-07-12</a:t>
             </a:fld>
             <a:endParaRPr lang="ko-KR" altLang="en-US"/>
           </a:p>
@@ -810,7 +810,7 @@
           <a:p>
             <a:fld id="{826DCF38-90DB-4D8C-BBBF-146D185ABA65}" type="datetimeFigureOut">
               <a:rPr lang="ko-KR" altLang="en-US" smtClean="0"/>
-              <a:t>2023-06-07</a:t>
+              <a:t>2023-07-12</a:t>
             </a:fld>
             <a:endParaRPr lang="ko-KR" altLang="en-US"/>
           </a:p>
@@ -1056,7 +1056,7 @@
           <a:p>
             <a:fld id="{826DCF38-90DB-4D8C-BBBF-146D185ABA65}" type="datetimeFigureOut">
               <a:rPr lang="ko-KR" altLang="en-US" smtClean="0"/>
-              <a:t>2023-06-07</a:t>
+              <a:t>2023-07-12</a:t>
             </a:fld>
             <a:endParaRPr lang="ko-KR" altLang="en-US"/>
           </a:p>
@@ -1344,7 +1344,7 @@
           <a:p>
             <a:fld id="{826DCF38-90DB-4D8C-BBBF-146D185ABA65}" type="datetimeFigureOut">
               <a:rPr lang="ko-KR" altLang="en-US" smtClean="0"/>
-              <a:t>2023-06-07</a:t>
+              <a:t>2023-07-12</a:t>
             </a:fld>
             <a:endParaRPr lang="ko-KR" altLang="en-US"/>
           </a:p>
@@ -1766,7 +1766,7 @@
           <a:p>
             <a:fld id="{826DCF38-90DB-4D8C-BBBF-146D185ABA65}" type="datetimeFigureOut">
               <a:rPr lang="ko-KR" altLang="en-US" smtClean="0"/>
-              <a:t>2023-06-07</a:t>
+              <a:t>2023-07-12</a:t>
             </a:fld>
             <a:endParaRPr lang="ko-KR" altLang="en-US"/>
           </a:p>
@@ -1884,7 +1884,7 @@
           <a:p>
             <a:fld id="{826DCF38-90DB-4D8C-BBBF-146D185ABA65}" type="datetimeFigureOut">
               <a:rPr lang="ko-KR" altLang="en-US" smtClean="0"/>
-              <a:t>2023-06-07</a:t>
+              <a:t>2023-07-12</a:t>
             </a:fld>
             <a:endParaRPr lang="ko-KR" altLang="en-US"/>
           </a:p>
@@ -1979,7 +1979,7 @@
           <a:p>
             <a:fld id="{826DCF38-90DB-4D8C-BBBF-146D185ABA65}" type="datetimeFigureOut">
               <a:rPr lang="ko-KR" altLang="en-US" smtClean="0"/>
-              <a:t>2023-06-07</a:t>
+              <a:t>2023-07-12</a:t>
             </a:fld>
             <a:endParaRPr lang="ko-KR" altLang="en-US"/>
           </a:p>
@@ -2256,7 +2256,7 @@
           <a:p>
             <a:fld id="{826DCF38-90DB-4D8C-BBBF-146D185ABA65}" type="datetimeFigureOut">
               <a:rPr lang="ko-KR" altLang="en-US" smtClean="0"/>
-              <a:t>2023-06-07</a:t>
+              <a:t>2023-07-12</a:t>
             </a:fld>
             <a:endParaRPr lang="ko-KR" altLang="en-US"/>
           </a:p>
@@ -2509,7 +2509,7 @@
           <a:p>
             <a:fld id="{826DCF38-90DB-4D8C-BBBF-146D185ABA65}" type="datetimeFigureOut">
               <a:rPr lang="ko-KR" altLang="en-US" smtClean="0"/>
-              <a:t>2023-06-07</a:t>
+              <a:t>2023-07-12</a:t>
             </a:fld>
             <a:endParaRPr lang="ko-KR" altLang="en-US"/>
           </a:p>
@@ -2722,7 +2722,7 @@
           <a:p>
             <a:fld id="{826DCF38-90DB-4D8C-BBBF-146D185ABA65}" type="datetimeFigureOut">
               <a:rPr lang="ko-KR" altLang="en-US" smtClean="0"/>
-              <a:t>2023-06-07</a:t>
+              <a:t>2023-07-12</a:t>
             </a:fld>
             <a:endParaRPr lang="ko-KR" altLang="en-US"/>
           </a:p>
@@ -5737,7 +5737,6 @@
               <a:rPr lang="ko-KR" altLang="en-US" dirty="0"/>
               <a:t> 목록</a:t>
             </a:r>
-            <a:endParaRPr lang="ko-KR" altLang="en-US" dirty="0"/>
           </a:p>
         </p:txBody>
       </p:sp>
